--- a/Skids/随机数网络版/骰子（网络版）.pptx
+++ b/Skids/随机数网络版/骰子（网络版）.pptx
@@ -5,31 +5,31 @@
     <p:sldMasterId id="2147483648" r:id="rId1"/>
   </p:sldMasterIdLst>
   <p:notesMasterIdLst>
-    <p:notesMasterId r:id="rId21"/>
+    <p:notesMasterId r:id="rId4"/>
   </p:notesMasterIdLst>
   <p:handoutMasterIdLst>
-    <p:handoutMasterId r:id="rId22"/>
+    <p:handoutMasterId r:id="rId23"/>
   </p:handoutMasterIdLst>
   <p:sldIdLst>
-    <p:sldId id="290" r:id="rId2"/>
-    <p:sldId id="258" r:id="rId3"/>
-    <p:sldId id="328" r:id="rId4"/>
-    <p:sldId id="329" r:id="rId5"/>
-    <p:sldId id="333" r:id="rId6"/>
-    <p:sldId id="334" r:id="rId7"/>
-    <p:sldId id="429" r:id="rId8"/>
-    <p:sldId id="430" r:id="rId9"/>
-    <p:sldId id="431" r:id="rId10"/>
-    <p:sldId id="432" r:id="rId11"/>
-    <p:sldId id="433" r:id="rId12"/>
-    <p:sldId id="434" r:id="rId13"/>
-    <p:sldId id="435" r:id="rId14"/>
-    <p:sldId id="436" r:id="rId15"/>
-    <p:sldId id="437" r:id="rId16"/>
-    <p:sldId id="438" r:id="rId17"/>
-    <p:sldId id="440" r:id="rId18"/>
-    <p:sldId id="441" r:id="rId19"/>
-    <p:sldId id="293" r:id="rId20"/>
+    <p:sldId id="290" r:id="rId3"/>
+    <p:sldId id="258" r:id="rId5"/>
+    <p:sldId id="328" r:id="rId6"/>
+    <p:sldId id="329" r:id="rId7"/>
+    <p:sldId id="333" r:id="rId8"/>
+    <p:sldId id="334" r:id="rId9"/>
+    <p:sldId id="429" r:id="rId10"/>
+    <p:sldId id="430" r:id="rId11"/>
+    <p:sldId id="431" r:id="rId12"/>
+    <p:sldId id="432" r:id="rId13"/>
+    <p:sldId id="433" r:id="rId14"/>
+    <p:sldId id="434" r:id="rId15"/>
+    <p:sldId id="435" r:id="rId16"/>
+    <p:sldId id="436" r:id="rId17"/>
+    <p:sldId id="437" r:id="rId18"/>
+    <p:sldId id="438" r:id="rId19"/>
+    <p:sldId id="440" r:id="rId20"/>
+    <p:sldId id="441" r:id="rId21"/>
+    <p:sldId id="293" r:id="rId22"/>
   </p:sldIdLst>
   <p:sldSz cx="9144000" cy="5143500" type="screen16x9"/>
   <p:notesSz cx="6858000" cy="9144000"/>
@@ -128,25 +128,6 @@
       </a:defRPr>
     </a:lvl9pPr>
   </p:defaultTextStyle>
-  <p:extLst>
-    <p:ext uri="{EFAFB233-063F-42B5-8137-9DF3F51BA10A}">
-      <p15:sldGuideLst xmlns:p15="http://schemas.microsoft.com/office/powerpoint/2012/main">
-        <p15:guide id="1" orient="horz" pos="1666">
-          <p15:clr>
-            <a:srgbClr val="A4A3A4"/>
-          </p15:clr>
-        </p15:guide>
-        <p15:guide id="2" pos="2871">
-          <p15:clr>
-            <a:srgbClr val="A4A3A4"/>
-          </p15:clr>
-        </p15:guide>
-      </p15:sldGuideLst>
-    </p:ext>
-    <p:ext uri="{2D200454-40CA-4A62-9FC3-DE9A4176ACB9}">
-      <p15:notesGuideLst xmlns:p15="http://schemas.microsoft.com/office/powerpoint/2012/main"/>
-    </p:ext>
-  </p:extLst>
 </p:presentation>
 </file>
 
@@ -238,7 +219,6 @@
           <a:p>
             <a:fld id="{A2EFE4F1-8343-48CF-9B9C-52B67EABA729}" type="datetimeFigureOut">
               <a:rPr lang="zh-CN" altLang="en-US" smtClean="0"/>
-              <a:t>2019/4/26</a:t>
             </a:fld>
             <a:endParaRPr lang="zh-CN" altLang="en-US"/>
           </a:p>
@@ -304,7 +284,6 @@
           <a:p>
             <a:fld id="{73AA629E-9724-4938-B095-5F38E6E9218A}" type="slidenum">
               <a:rPr lang="zh-CN" altLang="en-US" smtClean="0"/>
-              <a:t>‹#›</a:t>
             </a:fld>
             <a:endParaRPr lang="zh-CN" altLang="en-US"/>
           </a:p>
@@ -398,7 +377,6 @@
           <a:p>
             <a:fld id="{E2E3BB64-82C3-40D5-AC60-7A00C8971EC4}" type="datetimeFigureOut">
               <a:rPr lang="zh-CN" altLang="en-US" smtClean="0"/>
-              <a:t>2019/4/26</a:t>
             </a:fld>
             <a:endParaRPr lang="zh-CN" altLang="en-US"/>
           </a:p>
@@ -465,6 +443,7 @@
               <a:rPr lang="zh-CN" altLang="en-US"/>
               <a:t>单击此处编辑母版文本样式</a:t>
             </a:r>
+            <a:endParaRPr lang="zh-CN" altLang="en-US"/>
           </a:p>
           <a:p>
             <a:pPr lvl="1"/>
@@ -472,6 +451,7 @@
               <a:rPr lang="zh-CN" altLang="en-US"/>
               <a:t>第二级</a:t>
             </a:r>
+            <a:endParaRPr lang="zh-CN" altLang="en-US"/>
           </a:p>
           <a:p>
             <a:pPr lvl="2"/>
@@ -479,6 +459,7 @@
               <a:rPr lang="zh-CN" altLang="en-US"/>
               <a:t>第三级</a:t>
             </a:r>
+            <a:endParaRPr lang="zh-CN" altLang="en-US"/>
           </a:p>
           <a:p>
             <a:pPr lvl="3"/>
@@ -486,6 +467,7 @@
               <a:rPr lang="zh-CN" altLang="en-US"/>
               <a:t>第四级</a:t>
             </a:r>
+            <a:endParaRPr lang="zh-CN" altLang="en-US"/>
           </a:p>
           <a:p>
             <a:pPr lvl="4"/>
@@ -493,6 +475,7 @@
               <a:rPr lang="zh-CN" altLang="en-US"/>
               <a:t>第五级</a:t>
             </a:r>
+            <a:endParaRPr lang="zh-CN" altLang="en-US"/>
           </a:p>
         </p:txBody>
       </p:sp>
@@ -556,7 +539,6 @@
           <a:p>
             <a:fld id="{84E8197B-F8C1-44B9-B4D6-4F6A82D8791E}" type="slidenum">
               <a:rPr lang="zh-CN" altLang="en-US" smtClean="0"/>
-              <a:t>‹#›</a:t>
             </a:fld>
             <a:endParaRPr lang="zh-CN" altLang="en-US"/>
           </a:p>
@@ -725,7 +707,6 @@
           <a:p>
             <a:fld id="{84E8197B-F8C1-44B9-B4D6-4F6A82D8791E}" type="slidenum">
               <a:rPr lang="zh-CN" altLang="en-US" smtClean="0"/>
-              <a:t>1</a:t>
             </a:fld>
             <a:endParaRPr lang="zh-CN" altLang="en-US"/>
           </a:p>
@@ -804,18 +785,12 @@
           <a:p>
             <a:fld id="{92869645-561F-47F0-9357-72E27DD8C3BF}" type="slidenum">
               <a:rPr lang="zh-CN" altLang="en-US" smtClean="0"/>
-              <a:t>10</a:t>
             </a:fld>
             <a:endParaRPr lang="zh-CN" altLang="en-US"/>
           </a:p>
         </p:txBody>
       </p:sp>
     </p:spTree>
-    <p:extLst>
-      <p:ext uri="{BB962C8B-B14F-4D97-AF65-F5344CB8AC3E}">
-        <p14:creationId xmlns:p14="http://schemas.microsoft.com/office/powerpoint/2010/main" val="4181126839"/>
-      </p:ext>
-    </p:extLst>
   </p:cSld>
   <p:clrMapOvr>
     <a:masterClrMapping/>
@@ -888,18 +863,12 @@
           <a:p>
             <a:fld id="{92869645-561F-47F0-9357-72E27DD8C3BF}" type="slidenum">
               <a:rPr lang="zh-CN" altLang="en-US" smtClean="0"/>
-              <a:t>11</a:t>
             </a:fld>
             <a:endParaRPr lang="zh-CN" altLang="en-US"/>
           </a:p>
         </p:txBody>
       </p:sp>
     </p:spTree>
-    <p:extLst>
-      <p:ext uri="{BB962C8B-B14F-4D97-AF65-F5344CB8AC3E}">
-        <p14:creationId xmlns:p14="http://schemas.microsoft.com/office/powerpoint/2010/main" val="78897286"/>
-      </p:ext>
-    </p:extLst>
   </p:cSld>
   <p:clrMapOvr>
     <a:masterClrMapping/>
@@ -972,18 +941,12 @@
           <a:p>
             <a:fld id="{92869645-561F-47F0-9357-72E27DD8C3BF}" type="slidenum">
               <a:rPr lang="zh-CN" altLang="en-US" smtClean="0"/>
-              <a:t>12</a:t>
             </a:fld>
             <a:endParaRPr lang="zh-CN" altLang="en-US"/>
           </a:p>
         </p:txBody>
       </p:sp>
     </p:spTree>
-    <p:extLst>
-      <p:ext uri="{BB962C8B-B14F-4D97-AF65-F5344CB8AC3E}">
-        <p14:creationId xmlns:p14="http://schemas.microsoft.com/office/powerpoint/2010/main" val="2399580600"/>
-      </p:ext>
-    </p:extLst>
   </p:cSld>
   <p:clrMapOvr>
     <a:masterClrMapping/>
@@ -1056,18 +1019,12 @@
           <a:p>
             <a:fld id="{92869645-561F-47F0-9357-72E27DD8C3BF}" type="slidenum">
               <a:rPr lang="zh-CN" altLang="en-US" smtClean="0"/>
-              <a:t>13</a:t>
             </a:fld>
             <a:endParaRPr lang="zh-CN" altLang="en-US"/>
           </a:p>
         </p:txBody>
       </p:sp>
     </p:spTree>
-    <p:extLst>
-      <p:ext uri="{BB962C8B-B14F-4D97-AF65-F5344CB8AC3E}">
-        <p14:creationId xmlns:p14="http://schemas.microsoft.com/office/powerpoint/2010/main" val="4231827268"/>
-      </p:ext>
-    </p:extLst>
   </p:cSld>
   <p:clrMapOvr>
     <a:masterClrMapping/>
@@ -1140,18 +1097,12 @@
           <a:p>
             <a:fld id="{92869645-561F-47F0-9357-72E27DD8C3BF}" type="slidenum">
               <a:rPr lang="zh-CN" altLang="en-US" smtClean="0"/>
-              <a:t>14</a:t>
             </a:fld>
             <a:endParaRPr lang="zh-CN" altLang="en-US"/>
           </a:p>
         </p:txBody>
       </p:sp>
     </p:spTree>
-    <p:extLst>
-      <p:ext uri="{BB962C8B-B14F-4D97-AF65-F5344CB8AC3E}">
-        <p14:creationId xmlns:p14="http://schemas.microsoft.com/office/powerpoint/2010/main" val="2783605423"/>
-      </p:ext>
-    </p:extLst>
   </p:cSld>
   <p:clrMapOvr>
     <a:masterClrMapping/>
@@ -1224,18 +1175,12 @@
           <a:p>
             <a:fld id="{92869645-561F-47F0-9357-72E27DD8C3BF}" type="slidenum">
               <a:rPr lang="zh-CN" altLang="en-US" smtClean="0"/>
-              <a:t>15</a:t>
             </a:fld>
             <a:endParaRPr lang="zh-CN" altLang="en-US"/>
           </a:p>
         </p:txBody>
       </p:sp>
     </p:spTree>
-    <p:extLst>
-      <p:ext uri="{BB962C8B-B14F-4D97-AF65-F5344CB8AC3E}">
-        <p14:creationId xmlns:p14="http://schemas.microsoft.com/office/powerpoint/2010/main" val="1534234855"/>
-      </p:ext>
-    </p:extLst>
   </p:cSld>
   <p:clrMapOvr>
     <a:masterClrMapping/>
@@ -1308,18 +1253,12 @@
           <a:p>
             <a:fld id="{92869645-561F-47F0-9357-72E27DD8C3BF}" type="slidenum">
               <a:rPr lang="zh-CN" altLang="en-US" smtClean="0"/>
-              <a:t>16</a:t>
             </a:fld>
             <a:endParaRPr lang="zh-CN" altLang="en-US"/>
           </a:p>
         </p:txBody>
       </p:sp>
     </p:spTree>
-    <p:extLst>
-      <p:ext uri="{BB962C8B-B14F-4D97-AF65-F5344CB8AC3E}">
-        <p14:creationId xmlns:p14="http://schemas.microsoft.com/office/powerpoint/2010/main" val="549571382"/>
-      </p:ext>
-    </p:extLst>
   </p:cSld>
   <p:clrMapOvr>
     <a:masterClrMapping/>
@@ -1392,18 +1331,12 @@
           <a:p>
             <a:fld id="{92869645-561F-47F0-9357-72E27DD8C3BF}" type="slidenum">
               <a:rPr lang="zh-CN" altLang="en-US" smtClean="0"/>
-              <a:t>17</a:t>
             </a:fld>
             <a:endParaRPr lang="zh-CN" altLang="en-US"/>
           </a:p>
         </p:txBody>
       </p:sp>
     </p:spTree>
-    <p:extLst>
-      <p:ext uri="{BB962C8B-B14F-4D97-AF65-F5344CB8AC3E}">
-        <p14:creationId xmlns:p14="http://schemas.microsoft.com/office/powerpoint/2010/main" val="173938476"/>
-      </p:ext>
-    </p:extLst>
   </p:cSld>
   <p:clrMapOvr>
     <a:masterClrMapping/>
@@ -1476,18 +1409,12 @@
           <a:p>
             <a:fld id="{92869645-561F-47F0-9357-72E27DD8C3BF}" type="slidenum">
               <a:rPr lang="zh-CN" altLang="en-US" smtClean="0"/>
-              <a:t>18</a:t>
             </a:fld>
             <a:endParaRPr lang="zh-CN" altLang="en-US"/>
           </a:p>
         </p:txBody>
       </p:sp>
     </p:spTree>
-    <p:extLst>
-      <p:ext uri="{BB962C8B-B14F-4D97-AF65-F5344CB8AC3E}">
-        <p14:creationId xmlns:p14="http://schemas.microsoft.com/office/powerpoint/2010/main" val="2420014515"/>
-      </p:ext>
-    </p:extLst>
   </p:cSld>
   <p:clrMapOvr>
     <a:masterClrMapping/>
@@ -1560,7 +1487,6 @@
           <a:p>
             <a:fld id="{84E8197B-F8C1-44B9-B4D6-4F6A82D8791E}" type="slidenum">
               <a:rPr lang="zh-CN" altLang="en-US" smtClean="0"/>
-              <a:t>19</a:t>
             </a:fld>
             <a:endParaRPr lang="zh-CN" altLang="en-US"/>
           </a:p>
@@ -1639,7 +1565,6 @@
           <a:p>
             <a:fld id="{92869645-561F-47F0-9357-72E27DD8C3BF}" type="slidenum">
               <a:rPr lang="zh-CN" altLang="en-US" smtClean="0"/>
-              <a:t>2</a:t>
             </a:fld>
             <a:endParaRPr lang="zh-CN" altLang="en-US"/>
           </a:p>
@@ -1718,7 +1643,6 @@
           <a:p>
             <a:fld id="{92869645-561F-47F0-9357-72E27DD8C3BF}" type="slidenum">
               <a:rPr lang="zh-CN" altLang="en-US" smtClean="0"/>
-              <a:t>3</a:t>
             </a:fld>
             <a:endParaRPr lang="zh-CN" altLang="en-US"/>
           </a:p>
@@ -1797,7 +1721,6 @@
           <a:p>
             <a:fld id="{92869645-561F-47F0-9357-72E27DD8C3BF}" type="slidenum">
               <a:rPr lang="zh-CN" altLang="en-US" smtClean="0"/>
-              <a:t>4</a:t>
             </a:fld>
             <a:endParaRPr lang="zh-CN" altLang="en-US"/>
           </a:p>
@@ -1876,7 +1799,6 @@
           <a:p>
             <a:fld id="{92869645-561F-47F0-9357-72E27DD8C3BF}" type="slidenum">
               <a:rPr lang="zh-CN" altLang="en-US" smtClean="0"/>
-              <a:t>5</a:t>
             </a:fld>
             <a:endParaRPr lang="zh-CN" altLang="en-US"/>
           </a:p>
@@ -1955,7 +1877,6 @@
           <a:p>
             <a:fld id="{92869645-561F-47F0-9357-72E27DD8C3BF}" type="slidenum">
               <a:rPr lang="zh-CN" altLang="en-US" smtClean="0"/>
-              <a:t>6</a:t>
             </a:fld>
             <a:endParaRPr lang="zh-CN" altLang="en-US"/>
           </a:p>
@@ -2034,18 +1955,12 @@
           <a:p>
             <a:fld id="{92869645-561F-47F0-9357-72E27DD8C3BF}" type="slidenum">
               <a:rPr lang="zh-CN" altLang="en-US" smtClean="0"/>
-              <a:t>7</a:t>
             </a:fld>
             <a:endParaRPr lang="zh-CN" altLang="en-US"/>
           </a:p>
         </p:txBody>
       </p:sp>
     </p:spTree>
-    <p:extLst>
-      <p:ext uri="{BB962C8B-B14F-4D97-AF65-F5344CB8AC3E}">
-        <p14:creationId xmlns:p14="http://schemas.microsoft.com/office/powerpoint/2010/main" val="571747913"/>
-      </p:ext>
-    </p:extLst>
   </p:cSld>
   <p:clrMapOvr>
     <a:masterClrMapping/>
@@ -2118,18 +2033,12 @@
           <a:p>
             <a:fld id="{92869645-561F-47F0-9357-72E27DD8C3BF}" type="slidenum">
               <a:rPr lang="zh-CN" altLang="en-US" smtClean="0"/>
-              <a:t>8</a:t>
             </a:fld>
             <a:endParaRPr lang="zh-CN" altLang="en-US"/>
           </a:p>
         </p:txBody>
       </p:sp>
     </p:spTree>
-    <p:extLst>
-      <p:ext uri="{BB962C8B-B14F-4D97-AF65-F5344CB8AC3E}">
-        <p14:creationId xmlns:p14="http://schemas.microsoft.com/office/powerpoint/2010/main" val="2856295602"/>
-      </p:ext>
-    </p:extLst>
   </p:cSld>
   <p:clrMapOvr>
     <a:masterClrMapping/>
@@ -2202,18 +2111,12 @@
           <a:p>
             <a:fld id="{92869645-561F-47F0-9357-72E27DD8C3BF}" type="slidenum">
               <a:rPr lang="zh-CN" altLang="en-US" smtClean="0"/>
-              <a:t>9</a:t>
             </a:fld>
             <a:endParaRPr lang="zh-CN" altLang="en-US"/>
           </a:p>
         </p:txBody>
       </p:sp>
     </p:spTree>
-    <p:extLst>
-      <p:ext uri="{BB962C8B-B14F-4D97-AF65-F5344CB8AC3E}">
-        <p14:creationId xmlns:p14="http://schemas.microsoft.com/office/powerpoint/2010/main" val="955398301"/>
-      </p:ext>
-    </p:extLst>
   </p:cSld>
   <p:clrMapOvr>
     <a:masterClrMapping/>
@@ -2309,7 +2212,6 @@
           <a:p>
             <a:fld id="{877C4908-FE0A-43F2-B8DA-9F7993525651}" type="slidenum">
               <a:rPr lang="zh-CN" altLang="en-US" smtClean="0"/>
-              <a:t>‹#›</a:t>
             </a:fld>
             <a:endParaRPr lang="zh-CN" altLang="en-US"/>
           </a:p>
@@ -2411,7 +2313,6 @@
           <a:p>
             <a:fld id="{877C4908-FE0A-43F2-B8DA-9F7993525651}" type="slidenum">
               <a:rPr lang="zh-CN" altLang="en-US" smtClean="0"/>
-              <a:t>‹#›</a:t>
             </a:fld>
             <a:endParaRPr lang="zh-CN" altLang="en-US"/>
           </a:p>
@@ -2513,7 +2414,6 @@
           <a:p>
             <a:fld id="{877C4908-FE0A-43F2-B8DA-9F7993525651}" type="slidenum">
               <a:rPr lang="zh-CN" altLang="en-US" smtClean="0"/>
-              <a:t>‹#›</a:t>
             </a:fld>
             <a:endParaRPr lang="zh-CN" altLang="en-US"/>
           </a:p>
@@ -2615,7 +2515,6 @@
           <a:p>
             <a:fld id="{877C4908-FE0A-43F2-B8DA-9F7993525651}" type="slidenum">
               <a:rPr lang="zh-CN" altLang="en-US" smtClean="0"/>
-              <a:t>‹#›</a:t>
             </a:fld>
             <a:endParaRPr lang="zh-CN" altLang="en-US"/>
           </a:p>
@@ -2717,7 +2616,6 @@
           <a:p>
             <a:fld id="{877C4908-FE0A-43F2-B8DA-9F7993525651}" type="slidenum">
               <a:rPr lang="zh-CN" altLang="en-US" smtClean="0"/>
-              <a:t>‹#›</a:t>
             </a:fld>
             <a:endParaRPr lang="zh-CN" altLang="en-US"/>
           </a:p>
@@ -2819,7 +2717,6 @@
           <a:p>
             <a:fld id="{877C4908-FE0A-43F2-B8DA-9F7993525651}" type="slidenum">
               <a:rPr lang="zh-CN" altLang="en-US" smtClean="0"/>
-              <a:t>‹#›</a:t>
             </a:fld>
             <a:endParaRPr lang="zh-CN" altLang="en-US"/>
           </a:p>
@@ -2921,7 +2818,6 @@
           <a:p>
             <a:fld id="{877C4908-FE0A-43F2-B8DA-9F7993525651}" type="slidenum">
               <a:rPr lang="zh-CN" altLang="en-US" smtClean="0"/>
-              <a:t>‹#›</a:t>
             </a:fld>
             <a:endParaRPr lang="zh-CN" altLang="en-US"/>
           </a:p>
@@ -3023,7 +2919,6 @@
           <a:p>
             <a:fld id="{877C4908-FE0A-43F2-B8DA-9F7993525651}" type="slidenum">
               <a:rPr lang="zh-CN" altLang="en-US" smtClean="0"/>
-              <a:t>‹#›</a:t>
             </a:fld>
             <a:endParaRPr lang="zh-CN" altLang="en-US"/>
           </a:p>
@@ -3125,7 +3020,6 @@
           <a:p>
             <a:fld id="{877C4908-FE0A-43F2-B8DA-9F7993525651}" type="slidenum">
               <a:rPr lang="zh-CN" altLang="en-US" smtClean="0"/>
-              <a:t>‹#›</a:t>
             </a:fld>
             <a:endParaRPr lang="zh-CN" altLang="en-US"/>
           </a:p>
@@ -3227,7 +3121,6 @@
           <a:p>
             <a:fld id="{877C4908-FE0A-43F2-B8DA-9F7993525651}" type="slidenum">
               <a:rPr lang="zh-CN" altLang="en-US" smtClean="0"/>
-              <a:t>‹#›</a:t>
             </a:fld>
             <a:endParaRPr lang="zh-CN" altLang="en-US"/>
           </a:p>
@@ -3329,7 +3222,6 @@
           <a:p>
             <a:fld id="{877C4908-FE0A-43F2-B8DA-9F7993525651}" type="slidenum">
               <a:rPr lang="zh-CN" altLang="en-US" smtClean="0"/>
-              <a:t>‹#›</a:t>
             </a:fld>
             <a:endParaRPr lang="zh-CN" altLang="en-US"/>
           </a:p>
@@ -3349,7 +3241,7 @@
     <p:bg>
       <p:bgPr>
         <a:blipFill dpi="0" rotWithShape="1">
-          <a:blip r:embed="rId13">
+          <a:blip r:embed="rId12">
             <a:lum/>
           </a:blip>
           <a:srcRect/>
@@ -3407,7 +3299,6 @@
           <a:p>
             <a:fld id="{877C4908-FE0A-43F2-B8DA-9F7993525651}" type="slidenum">
               <a:rPr lang="zh-CN" altLang="en-US" smtClean="0"/>
-              <a:t>‹#›</a:t>
             </a:fld>
             <a:endParaRPr lang="zh-CN" altLang="en-US"/>
           </a:p>
@@ -3781,7 +3672,7 @@
     <p:bg>
       <p:bgPr>
         <a:blipFill dpi="0" rotWithShape="1">
-          <a:blip r:embed="rId3">
+          <a:blip r:embed="rId1">
             <a:lum/>
           </a:blip>
           <a:srcRect/>
@@ -3815,7 +3706,7 @@
           <p:nvPr/>
         </p:nvPicPr>
         <p:blipFill rotWithShape="1">
-          <a:blip r:embed="rId4" cstate="print">
+          <a:blip r:embed="rId2" cstate="print">
             <a:extLst>
               <a:ext uri="{28A0092B-C50C-407E-A947-70E740481C1C}">
                 <a14:useLocalDpi xmlns:a14="http://schemas.microsoft.com/office/drawing/2010/main" val="0"/>
@@ -3931,6 +3822,17 @@
               </a:rPr>
               <a:t>猜拳游戏（网络版）</a:t>
             </a:r>
+            <a:endParaRPr lang="zh-CN" altLang="en-US" sz="3200" b="1" dirty="0" smtClean="0">
+              <a:solidFill>
+                <a:schemeClr val="tx1">
+                  <a:lumMod val="75000"/>
+                  <a:lumOff val="25000"/>
+                </a:schemeClr>
+              </a:solidFill>
+              <a:latin typeface="微软雅黑" panose="020B0503020204020204" pitchFamily="34" charset="-122"/>
+              <a:ea typeface="微软雅黑" panose="020B0503020204020204" pitchFamily="34" charset="-122"/>
+              <a:sym typeface="+mn-ea"/>
+            </a:endParaRPr>
           </a:p>
         </p:txBody>
       </p:sp>
@@ -3988,6 +3890,13 @@
               </a:rPr>
               <a:t>牛艾科技</a:t>
             </a:r>
+            <a:endParaRPr lang="zh-CN" altLang="en-US" sz="1100" dirty="0">
+              <a:solidFill>
+                <a:schemeClr val="bg1"/>
+              </a:solidFill>
+              <a:latin typeface="微软雅黑" panose="020B0503020204020204" pitchFamily="34" charset="-122"/>
+              <a:ea typeface="微软雅黑" panose="020B0503020204020204" pitchFamily="34" charset="-122"/>
+            </a:endParaRPr>
           </a:p>
         </p:txBody>
       </p:sp>
@@ -4167,7 +4076,6 @@
           <a:p>
             <a:fld id="{877C4908-FE0A-43F2-B8DA-9F7993525651}" type="slidenum">
               <a:rPr lang="zh-CN" altLang="en-US" smtClean="0"/>
-              <a:t>10</a:t>
             </a:fld>
             <a:endParaRPr lang="zh-CN" altLang="en-US" dirty="0"/>
           </a:p>
@@ -4572,7 +4480,7 @@
           <p:nvPr/>
         </p:nvPicPr>
         <p:blipFill>
-          <a:blip r:embed="rId3"/>
+          <a:blip r:embed="rId1"/>
           <a:stretch>
             <a:fillRect/>
           </a:stretch>
@@ -4588,20 +4496,15 @@
         </p:spPr>
       </p:pic>
     </p:spTree>
-    <p:extLst>
-      <p:ext uri="{BB962C8B-B14F-4D97-AF65-F5344CB8AC3E}">
-        <p14:creationId xmlns:p14="http://schemas.microsoft.com/office/powerpoint/2010/main" val="2687329160"/>
-      </p:ext>
-    </p:extLst>
   </p:cSld>
   <p:clrMapOvr>
     <a:masterClrMapping/>
   </p:clrMapOvr>
-  <mc:AlternateContent xmlns:mc="http://schemas.openxmlformats.org/markup-compatibility/2006" xmlns:p14="http://schemas.microsoft.com/office/powerpoint/2010/main">
-    <mc:Choice Requires="p14">
+  <mc:AlternateContent xmlns:mc="http://schemas.openxmlformats.org/markup-compatibility/2006">
+    <mc:Choice xmlns:p14="http://schemas.microsoft.com/office/powerpoint/2010/main" Requires="p14">
       <p:transition p14:dur="10"/>
     </mc:Choice>
-    <mc:Fallback xmlns="">
+    <mc:Fallback>
       <p:transition/>
     </mc:Fallback>
   </mc:AlternateContent>
@@ -4649,7 +4552,6 @@
           <a:p>
             <a:fld id="{877C4908-FE0A-43F2-B8DA-9F7993525651}" type="slidenum">
               <a:rPr lang="zh-CN" altLang="en-US" smtClean="0"/>
-              <a:t>11</a:t>
             </a:fld>
             <a:endParaRPr lang="zh-CN" altLang="en-US" dirty="0"/>
           </a:p>
@@ -5086,7 +4988,7 @@
           <p:nvPr/>
         </p:nvPicPr>
         <p:blipFill>
-          <a:blip r:embed="rId3"/>
+          <a:blip r:embed="rId1"/>
           <a:stretch>
             <a:fillRect/>
           </a:stretch>
@@ -5102,20 +5004,15 @@
         </p:spPr>
       </p:pic>
     </p:spTree>
-    <p:extLst>
-      <p:ext uri="{BB962C8B-B14F-4D97-AF65-F5344CB8AC3E}">
-        <p14:creationId xmlns:p14="http://schemas.microsoft.com/office/powerpoint/2010/main" val="2541581229"/>
-      </p:ext>
-    </p:extLst>
   </p:cSld>
   <p:clrMapOvr>
     <a:masterClrMapping/>
   </p:clrMapOvr>
-  <mc:AlternateContent xmlns:mc="http://schemas.openxmlformats.org/markup-compatibility/2006" xmlns:p14="http://schemas.microsoft.com/office/powerpoint/2010/main">
-    <mc:Choice Requires="p14">
+  <mc:AlternateContent xmlns:mc="http://schemas.openxmlformats.org/markup-compatibility/2006">
+    <mc:Choice xmlns:p14="http://schemas.microsoft.com/office/powerpoint/2010/main" Requires="p14">
       <p:transition p14:dur="10"/>
     </mc:Choice>
-    <mc:Fallback xmlns="">
+    <mc:Fallback>
       <p:transition/>
     </mc:Fallback>
   </mc:AlternateContent>
@@ -5163,7 +5060,6 @@
           <a:p>
             <a:fld id="{877C4908-FE0A-43F2-B8DA-9F7993525651}" type="slidenum">
               <a:rPr lang="zh-CN" altLang="en-US" smtClean="0"/>
-              <a:t>12</a:t>
             </a:fld>
             <a:endParaRPr lang="zh-CN" altLang="en-US" dirty="0"/>
           </a:p>
@@ -5599,6 +5495,11 @@
               </a:rPr>
               <a:t>+1,</a:t>
             </a:r>
+            <a:endParaRPr kumimoji="1" lang="en-US" altLang="zh-CN" sz="1800" dirty="0" smtClean="0">
+              <a:latin typeface="+mn-ea"/>
+              <a:cs typeface="+mn-ea"/>
+              <a:sym typeface="+mn-ea"/>
+            </a:endParaRPr>
           </a:p>
           <a:p>
             <a:pPr>
@@ -5691,7 +5592,7 @@
           <p:nvPr/>
         </p:nvPicPr>
         <p:blipFill>
-          <a:blip r:embed="rId3"/>
+          <a:blip r:embed="rId1"/>
           <a:stretch>
             <a:fillRect/>
           </a:stretch>
@@ -5707,20 +5608,15 @@
         </p:spPr>
       </p:pic>
     </p:spTree>
-    <p:extLst>
-      <p:ext uri="{BB962C8B-B14F-4D97-AF65-F5344CB8AC3E}">
-        <p14:creationId xmlns:p14="http://schemas.microsoft.com/office/powerpoint/2010/main" val="3555350781"/>
-      </p:ext>
-    </p:extLst>
   </p:cSld>
   <p:clrMapOvr>
     <a:masterClrMapping/>
   </p:clrMapOvr>
-  <mc:AlternateContent xmlns:mc="http://schemas.openxmlformats.org/markup-compatibility/2006" xmlns:p14="http://schemas.microsoft.com/office/powerpoint/2010/main">
-    <mc:Choice Requires="p14">
+  <mc:AlternateContent xmlns:mc="http://schemas.openxmlformats.org/markup-compatibility/2006">
+    <mc:Choice xmlns:p14="http://schemas.microsoft.com/office/powerpoint/2010/main" Requires="p14">
       <p:transition p14:dur="10"/>
     </mc:Choice>
-    <mc:Fallback xmlns="">
+    <mc:Fallback>
       <p:transition/>
     </mc:Fallback>
   </mc:AlternateContent>
@@ -5768,7 +5664,6 @@
           <a:p>
             <a:fld id="{877C4908-FE0A-43F2-B8DA-9F7993525651}" type="slidenum">
               <a:rPr lang="zh-CN" altLang="en-US" smtClean="0"/>
-              <a:t>13</a:t>
             </a:fld>
             <a:endParaRPr lang="zh-CN" altLang="en-US" dirty="0"/>
           </a:p>
@@ -6157,7 +6052,7 @@
           <p:nvPr/>
         </p:nvPicPr>
         <p:blipFill>
-          <a:blip r:embed="rId3"/>
+          <a:blip r:embed="rId1"/>
           <a:stretch>
             <a:fillRect/>
           </a:stretch>
@@ -6173,20 +6068,15 @@
         </p:spPr>
       </p:pic>
     </p:spTree>
-    <p:extLst>
-      <p:ext uri="{BB962C8B-B14F-4D97-AF65-F5344CB8AC3E}">
-        <p14:creationId xmlns:p14="http://schemas.microsoft.com/office/powerpoint/2010/main" val="1494285978"/>
-      </p:ext>
-    </p:extLst>
   </p:cSld>
   <p:clrMapOvr>
     <a:masterClrMapping/>
   </p:clrMapOvr>
-  <mc:AlternateContent xmlns:mc="http://schemas.openxmlformats.org/markup-compatibility/2006" xmlns:p14="http://schemas.microsoft.com/office/powerpoint/2010/main">
-    <mc:Choice Requires="p14">
+  <mc:AlternateContent xmlns:mc="http://schemas.openxmlformats.org/markup-compatibility/2006">
+    <mc:Choice xmlns:p14="http://schemas.microsoft.com/office/powerpoint/2010/main" Requires="p14">
       <p:transition p14:dur="10"/>
     </mc:Choice>
-    <mc:Fallback xmlns="">
+    <mc:Fallback>
       <p:transition/>
     </mc:Fallback>
   </mc:AlternateContent>
@@ -6234,7 +6124,6 @@
           <a:p>
             <a:fld id="{877C4908-FE0A-43F2-B8DA-9F7993525651}" type="slidenum">
               <a:rPr lang="zh-CN" altLang="en-US" smtClean="0"/>
-              <a:t>14</a:t>
             </a:fld>
             <a:endParaRPr lang="zh-CN" altLang="en-US" dirty="0"/>
           </a:p>
@@ -6619,7 +6508,7 @@
           <p:nvPr/>
         </p:nvPicPr>
         <p:blipFill>
-          <a:blip r:embed="rId3"/>
+          <a:blip r:embed="rId1"/>
           <a:stretch>
             <a:fillRect/>
           </a:stretch>
@@ -6635,20 +6524,15 @@
         </p:spPr>
       </p:pic>
     </p:spTree>
-    <p:extLst>
-      <p:ext uri="{BB962C8B-B14F-4D97-AF65-F5344CB8AC3E}">
-        <p14:creationId xmlns:p14="http://schemas.microsoft.com/office/powerpoint/2010/main" val="3182503641"/>
-      </p:ext>
-    </p:extLst>
   </p:cSld>
   <p:clrMapOvr>
     <a:masterClrMapping/>
   </p:clrMapOvr>
-  <mc:AlternateContent xmlns:mc="http://schemas.openxmlformats.org/markup-compatibility/2006" xmlns:p14="http://schemas.microsoft.com/office/powerpoint/2010/main">
-    <mc:Choice Requires="p14">
+  <mc:AlternateContent xmlns:mc="http://schemas.openxmlformats.org/markup-compatibility/2006">
+    <mc:Choice xmlns:p14="http://schemas.microsoft.com/office/powerpoint/2010/main" Requires="p14">
       <p:transition p14:dur="10"/>
     </mc:Choice>
-    <mc:Fallback xmlns="">
+    <mc:Fallback>
       <p:transition/>
     </mc:Fallback>
   </mc:AlternateContent>
@@ -6696,7 +6580,6 @@
           <a:p>
             <a:fld id="{877C4908-FE0A-43F2-B8DA-9F7993525651}" type="slidenum">
               <a:rPr lang="zh-CN" altLang="en-US" smtClean="0"/>
-              <a:t>15</a:t>
             </a:fld>
             <a:endParaRPr lang="zh-CN" altLang="en-US" dirty="0"/>
           </a:p>
@@ -7133,7 +7016,7 @@
           <p:nvPr/>
         </p:nvPicPr>
         <p:blipFill>
-          <a:blip r:embed="rId3"/>
+          <a:blip r:embed="rId1"/>
           <a:stretch>
             <a:fillRect/>
           </a:stretch>
@@ -7149,20 +7032,15 @@
         </p:spPr>
       </p:pic>
     </p:spTree>
-    <p:extLst>
-      <p:ext uri="{BB962C8B-B14F-4D97-AF65-F5344CB8AC3E}">
-        <p14:creationId xmlns:p14="http://schemas.microsoft.com/office/powerpoint/2010/main" val="1497526812"/>
-      </p:ext>
-    </p:extLst>
   </p:cSld>
   <p:clrMapOvr>
     <a:masterClrMapping/>
   </p:clrMapOvr>
-  <mc:AlternateContent xmlns:mc="http://schemas.openxmlformats.org/markup-compatibility/2006" xmlns:p14="http://schemas.microsoft.com/office/powerpoint/2010/main">
-    <mc:Choice Requires="p14">
+  <mc:AlternateContent xmlns:mc="http://schemas.openxmlformats.org/markup-compatibility/2006">
+    <mc:Choice xmlns:p14="http://schemas.microsoft.com/office/powerpoint/2010/main" Requires="p14">
       <p:transition p14:dur="10"/>
     </mc:Choice>
-    <mc:Fallback xmlns="">
+    <mc:Fallback>
       <p:transition/>
     </mc:Fallback>
   </mc:AlternateContent>
@@ -7210,7 +7088,6 @@
           <a:p>
             <a:fld id="{877C4908-FE0A-43F2-B8DA-9F7993525651}" type="slidenum">
               <a:rPr lang="zh-CN" altLang="en-US" smtClean="0"/>
-              <a:t>16</a:t>
             </a:fld>
             <a:endParaRPr lang="zh-CN" altLang="en-US" dirty="0"/>
           </a:p>
@@ -7586,6 +7463,11 @@
               </a:rPr>
               <a:t>21-26</a:t>
             </a:r>
+            <a:endParaRPr kumimoji="1" lang="en-US" altLang="zh-CN" sz="1800" dirty="0" smtClean="0">
+              <a:latin typeface="+mn-ea"/>
+              <a:cs typeface="+mn-ea"/>
+              <a:sym typeface="+mn-ea"/>
+            </a:endParaRPr>
           </a:p>
           <a:p>
             <a:pPr>
@@ -7642,7 +7524,7 @@
           <p:nvPr/>
         </p:nvPicPr>
         <p:blipFill>
-          <a:blip r:embed="rId3"/>
+          <a:blip r:embed="rId1"/>
           <a:stretch>
             <a:fillRect/>
           </a:stretch>
@@ -7658,20 +7540,15 @@
         </p:spPr>
       </p:pic>
     </p:spTree>
-    <p:extLst>
-      <p:ext uri="{BB962C8B-B14F-4D97-AF65-F5344CB8AC3E}">
-        <p14:creationId xmlns:p14="http://schemas.microsoft.com/office/powerpoint/2010/main" val="3540675201"/>
-      </p:ext>
-    </p:extLst>
   </p:cSld>
   <p:clrMapOvr>
     <a:masterClrMapping/>
   </p:clrMapOvr>
-  <mc:AlternateContent xmlns:mc="http://schemas.openxmlformats.org/markup-compatibility/2006" xmlns:p14="http://schemas.microsoft.com/office/powerpoint/2010/main">
-    <mc:Choice Requires="p14">
+  <mc:AlternateContent xmlns:mc="http://schemas.openxmlformats.org/markup-compatibility/2006">
+    <mc:Choice xmlns:p14="http://schemas.microsoft.com/office/powerpoint/2010/main" Requires="p14">
       <p:transition p14:dur="10"/>
     </mc:Choice>
-    <mc:Fallback xmlns="">
+    <mc:Fallback>
       <p:transition/>
     </mc:Fallback>
   </mc:AlternateContent>
@@ -7719,7 +7596,6 @@
           <a:p>
             <a:fld id="{877C4908-FE0A-43F2-B8DA-9F7993525651}" type="slidenum">
               <a:rPr lang="zh-CN" altLang="en-US" smtClean="0"/>
-              <a:t>17</a:t>
             </a:fld>
             <a:endParaRPr lang="zh-CN" altLang="en-US" dirty="0"/>
           </a:p>
@@ -8132,7 +8008,7 @@
           <p:nvPr/>
         </p:nvPicPr>
         <p:blipFill>
-          <a:blip r:embed="rId3"/>
+          <a:blip r:embed="rId1"/>
           <a:stretch>
             <a:fillRect/>
           </a:stretch>
@@ -8148,20 +8024,15 @@
         </p:spPr>
       </p:pic>
     </p:spTree>
-    <p:extLst>
-      <p:ext uri="{BB962C8B-B14F-4D97-AF65-F5344CB8AC3E}">
-        <p14:creationId xmlns:p14="http://schemas.microsoft.com/office/powerpoint/2010/main" val="543593122"/>
-      </p:ext>
-    </p:extLst>
   </p:cSld>
   <p:clrMapOvr>
     <a:masterClrMapping/>
   </p:clrMapOvr>
-  <mc:AlternateContent xmlns:mc="http://schemas.openxmlformats.org/markup-compatibility/2006" xmlns:p14="http://schemas.microsoft.com/office/powerpoint/2010/main">
-    <mc:Choice Requires="p14">
+  <mc:AlternateContent xmlns:mc="http://schemas.openxmlformats.org/markup-compatibility/2006">
+    <mc:Choice xmlns:p14="http://schemas.microsoft.com/office/powerpoint/2010/main" Requires="p14">
       <p:transition p14:dur="10"/>
     </mc:Choice>
-    <mc:Fallback xmlns="">
+    <mc:Fallback>
       <p:transition/>
     </mc:Fallback>
   </mc:AlternateContent>
@@ -8209,7 +8080,6 @@
           <a:p>
             <a:fld id="{877C4908-FE0A-43F2-B8DA-9F7993525651}" type="slidenum">
               <a:rPr lang="zh-CN" altLang="en-US" smtClean="0"/>
-              <a:t>18</a:t>
             </a:fld>
             <a:endParaRPr lang="zh-CN" altLang="en-US" dirty="0"/>
           </a:p>
@@ -8602,7 +8472,7 @@
           <p:nvPr/>
         </p:nvPicPr>
         <p:blipFill>
-          <a:blip r:embed="rId3"/>
+          <a:blip r:embed="rId1"/>
           <a:stretch>
             <a:fillRect/>
           </a:stretch>
@@ -8618,20 +8488,15 @@
         </p:spPr>
       </p:pic>
     </p:spTree>
-    <p:extLst>
-      <p:ext uri="{BB962C8B-B14F-4D97-AF65-F5344CB8AC3E}">
-        <p14:creationId xmlns:p14="http://schemas.microsoft.com/office/powerpoint/2010/main" val="1587922692"/>
-      </p:ext>
-    </p:extLst>
   </p:cSld>
   <p:clrMapOvr>
     <a:masterClrMapping/>
   </p:clrMapOvr>
-  <mc:AlternateContent xmlns:mc="http://schemas.openxmlformats.org/markup-compatibility/2006" xmlns:p14="http://schemas.microsoft.com/office/powerpoint/2010/main">
-    <mc:Choice Requires="p14">
+  <mc:AlternateContent xmlns:mc="http://schemas.openxmlformats.org/markup-compatibility/2006">
+    <mc:Choice xmlns:p14="http://schemas.microsoft.com/office/powerpoint/2010/main" Requires="p14">
       <p:transition p14:dur="10"/>
     </mc:Choice>
-    <mc:Fallback xmlns="">
+    <mc:Fallback>
       <p:transition/>
     </mc:Fallback>
   </mc:AlternateContent>
@@ -11839,7 +11704,7 @@
           <p:nvPr/>
         </p:nvPicPr>
         <p:blipFill>
-          <a:blip r:embed="rId3">
+          <a:blip r:embed="rId1">
             <a:extLst>
               <a:ext uri="{28A0092B-C50C-407E-A947-70E740481C1C}">
                 <a14:useLocalDpi xmlns:a14="http://schemas.microsoft.com/office/drawing/2010/main" val="0"/>
@@ -16577,6 +16442,13 @@
                   </a:rPr>
                   <a:t>目录</a:t>
                 </a:r>
+                <a:endParaRPr lang="zh-CN" altLang="en-US" sz="3600" b="1" spc="400" dirty="0">
+                  <a:solidFill>
+                    <a:srgbClr val="445469"/>
+                  </a:solidFill>
+                  <a:latin typeface="微软雅黑" panose="020B0503020204020204" pitchFamily="34" charset="-122"/>
+                  <a:ea typeface="微软雅黑" panose="020B0503020204020204" pitchFamily="34" charset="-122"/>
+                </a:endParaRPr>
               </a:p>
             </p:txBody>
           </p:sp>
@@ -16654,6 +16526,13 @@
                 </a:rPr>
                 <a:t>Contents</a:t>
               </a:r>
+              <a:endParaRPr lang="en-US" altLang="zh-CN" spc="400" dirty="0">
+                <a:solidFill>
+                  <a:srgbClr val="445469"/>
+                </a:solidFill>
+                <a:latin typeface="微软雅黑" panose="020B0503020204020204" pitchFamily="34" charset="-122"/>
+                <a:ea typeface="微软雅黑" panose="020B0503020204020204" pitchFamily="34" charset="-122"/>
+              </a:endParaRPr>
             </a:p>
           </p:txBody>
         </p:sp>
@@ -16691,6 +16570,14 @@
               </a:rPr>
               <a:t>Success Words</a:t>
             </a:r>
+            <a:endParaRPr lang="id-ID" sz="2400" b="1" dirty="0">
+              <a:solidFill>
+                <a:schemeClr val="bg1">
+                  <a:lumMod val="95000"/>
+                </a:schemeClr>
+              </a:solidFill>
+              <a:latin typeface="Raleway" panose="020B0003030101060003" pitchFamily="34" charset="0"/>
+            </a:endParaRPr>
           </a:p>
         </p:txBody>
       </p:sp>
@@ -16711,7 +16598,6 @@
           <a:p>
             <a:fld id="{877C4908-FE0A-43F2-B8DA-9F7993525651}" type="slidenum">
               <a:rPr lang="zh-CN" altLang="en-US" smtClean="0"/>
-              <a:t>2</a:t>
             </a:fld>
             <a:endParaRPr lang="zh-CN" altLang="en-US"/>
           </a:p>
@@ -16796,6 +16682,14 @@
                 </a:rPr>
                 <a:t>第一部分</a:t>
               </a:r>
+              <a:endParaRPr lang="zh-CN" altLang="en-US" sz="2800" b="1" dirty="0">
+                <a:solidFill>
+                  <a:srgbClr val="005A9E"/>
+                </a:solidFill>
+                <a:latin typeface="微软雅黑 Light" panose="020B0502040204020203" pitchFamily="34" charset="-122"/>
+                <a:ea typeface="微软雅黑 Light" panose="020B0502040204020203" pitchFamily="34" charset="-122"/>
+                <a:cs typeface="微软雅黑 Light" panose="020B0502040204020203" pitchFamily="34" charset="-122"/>
+              </a:endParaRPr>
             </a:p>
           </p:txBody>
         </p:sp>
@@ -16837,6 +16731,12 @@
                 </a:rPr>
                 <a:t>设计思路</a:t>
               </a:r>
+              <a:endParaRPr lang="zh-CN" altLang="en-US" sz="2800" dirty="0" smtClean="0">
+                <a:latin typeface="微软雅黑 Light" panose="020B0502040204020203" pitchFamily="34" charset="-122"/>
+                <a:ea typeface="微软雅黑 Light" panose="020B0502040204020203" pitchFamily="34" charset="-122"/>
+                <a:cs typeface="微软雅黑" panose="020B0503020204020204" pitchFamily="34" charset="-122"/>
+                <a:sym typeface="+mn-ea"/>
+              </a:endParaRPr>
             </a:p>
           </p:txBody>
         </p:sp>
@@ -17285,6 +17185,14 @@
                 </a:rPr>
                 <a:t>第二部分</a:t>
               </a:r>
+              <a:endParaRPr lang="zh-CN" altLang="en-US" sz="2800" b="1" dirty="0">
+                <a:solidFill>
+                  <a:srgbClr val="005A9E"/>
+                </a:solidFill>
+                <a:latin typeface="微软雅黑 Light" panose="020B0502040204020203" pitchFamily="34" charset="-122"/>
+                <a:ea typeface="微软雅黑 Light" panose="020B0502040204020203" pitchFamily="34" charset="-122"/>
+                <a:cs typeface="微软雅黑 Light" panose="020B0502040204020203" pitchFamily="34" charset="-122"/>
+              </a:endParaRPr>
             </a:p>
           </p:txBody>
         </p:sp>
@@ -17802,6 +17710,13 @@
                   </a:rPr>
                   <a:t>目录</a:t>
                 </a:r>
+                <a:endParaRPr lang="zh-CN" altLang="en-US" sz="3600" b="1" spc="400" dirty="0">
+                  <a:solidFill>
+                    <a:srgbClr val="445469"/>
+                  </a:solidFill>
+                  <a:latin typeface="微软雅黑" panose="020B0503020204020204" pitchFamily="34" charset="-122"/>
+                  <a:ea typeface="微软雅黑" panose="020B0503020204020204" pitchFamily="34" charset="-122"/>
+                </a:endParaRPr>
               </a:p>
             </p:txBody>
           </p:sp>
@@ -17879,6 +17794,13 @@
                 </a:rPr>
                 <a:t>Contents</a:t>
               </a:r>
+              <a:endParaRPr lang="en-US" altLang="zh-CN" spc="400" dirty="0">
+                <a:solidFill>
+                  <a:srgbClr val="445469"/>
+                </a:solidFill>
+                <a:latin typeface="微软雅黑" panose="020B0503020204020204" pitchFamily="34" charset="-122"/>
+                <a:ea typeface="微软雅黑" panose="020B0503020204020204" pitchFamily="34" charset="-122"/>
+              </a:endParaRPr>
             </a:p>
           </p:txBody>
         </p:sp>
@@ -17916,6 +17838,14 @@
               </a:rPr>
               <a:t>Success Words</a:t>
             </a:r>
+            <a:endParaRPr lang="id-ID" sz="2400" b="1" dirty="0">
+              <a:solidFill>
+                <a:schemeClr val="bg1">
+                  <a:lumMod val="95000"/>
+                </a:schemeClr>
+              </a:solidFill>
+              <a:latin typeface="Raleway" panose="020B0003030101060003" pitchFamily="34" charset="0"/>
+            </a:endParaRPr>
           </a:p>
         </p:txBody>
       </p:sp>
@@ -17936,7 +17866,6 @@
           <a:p>
             <a:fld id="{877C4908-FE0A-43F2-B8DA-9F7993525651}" type="slidenum">
               <a:rPr lang="zh-CN" altLang="en-US" smtClean="0"/>
-              <a:t>3</a:t>
             </a:fld>
             <a:endParaRPr lang="zh-CN" altLang="en-US"/>
           </a:p>
@@ -18026,6 +17955,12 @@
               </a:rPr>
               <a:t>设计思路</a:t>
             </a:r>
+            <a:endParaRPr lang="zh-CN" altLang="en-US" sz="3200" dirty="0" smtClean="0">
+              <a:latin typeface="微软雅黑 Light" panose="020B0502040204020203" pitchFamily="34" charset="-122"/>
+              <a:ea typeface="微软雅黑 Light" panose="020B0502040204020203" pitchFamily="34" charset="-122"/>
+              <a:cs typeface="微软雅黑" panose="020B0503020204020204" pitchFamily="34" charset="-122"/>
+              <a:sym typeface="+mn-ea"/>
+            </a:endParaRPr>
           </a:p>
         </p:txBody>
       </p:sp>
@@ -18751,7 +18686,6 @@
           <a:p>
             <a:fld id="{877C4908-FE0A-43F2-B8DA-9F7993525651}" type="slidenum">
               <a:rPr lang="zh-CN" altLang="en-US" smtClean="0"/>
-              <a:t>4</a:t>
             </a:fld>
             <a:endParaRPr lang="zh-CN" altLang="en-US" dirty="0"/>
           </a:p>
@@ -19071,22 +19005,83 @@
                 <a:latin typeface="+mn-ea"/>
                 <a:cs typeface="+mn-ea"/>
               </a:rPr>
-              <a:t>逻辑部分与</a:t>
+              <a:t>定义发送数据的规则区分出自己和对方的数据。比如玩家一发送</a:t>
             </a:r>
             <a:r>
-              <a:rPr kumimoji="1" lang="zh-CN" altLang="en-US" sz="1800" dirty="0">
+              <a:rPr kumimoji="1" lang="en-US" altLang="zh-CN" sz="1800" dirty="0" smtClean="0">
                 <a:latin typeface="+mn-ea"/>
                 <a:cs typeface="+mn-ea"/>
               </a:rPr>
-              <a:t>网络</a:t>
+              <a:t>11-16</a:t>
             </a:r>
             <a:r>
               <a:rPr kumimoji="1" lang="zh-CN" altLang="en-US" sz="1800" dirty="0" smtClean="0">
                 <a:latin typeface="+mn-ea"/>
                 <a:cs typeface="+mn-ea"/>
               </a:rPr>
-              <a:t>版猜拳基本相同，不同之处在于判定部分只需要比较大小即可，并且需自定义简单的数据格式用以辨别不同玩家</a:t>
+              <a:t>的数字，玩家二发送</a:t>
             </a:r>
+            <a:r>
+              <a:rPr kumimoji="1" lang="en-US" altLang="zh-CN" sz="1800" dirty="0" smtClean="0">
+                <a:latin typeface="+mn-ea"/>
+                <a:cs typeface="+mn-ea"/>
+              </a:rPr>
+              <a:t>21-26</a:t>
+            </a:r>
+            <a:r>
+              <a:rPr kumimoji="1" lang="zh-CN" altLang="en-US" sz="1800" dirty="0" smtClean="0">
+                <a:latin typeface="+mn-ea"/>
+                <a:cs typeface="+mn-ea"/>
+              </a:rPr>
+              <a:t>的数字代表筛子对应的个数。</a:t>
+            </a:r>
+            <a:endParaRPr kumimoji="1" lang="zh-CN" altLang="en-US" sz="1800" dirty="0" smtClean="0">
+              <a:latin typeface="+mn-ea"/>
+              <a:cs typeface="+mn-ea"/>
+            </a:endParaRPr>
+          </a:p>
+          <a:p>
+            <a:pPr>
+              <a:lnSpc>
+                <a:spcPct val="150000"/>
+              </a:lnSpc>
+            </a:pPr>
+            <a:r>
+              <a:rPr kumimoji="1" lang="zh-CN" altLang="en-US" sz="1800" dirty="0" smtClean="0">
+                <a:latin typeface="+mn-ea"/>
+                <a:cs typeface="+mn-ea"/>
+              </a:rPr>
+              <a:t>在玩家操作完后等待网络回调获取对方的个数并判断结果。</a:t>
+            </a:r>
+            <a:endParaRPr kumimoji="1" lang="zh-CN" altLang="en-US" sz="1800" dirty="0" smtClean="0">
+              <a:latin typeface="+mn-ea"/>
+              <a:cs typeface="+mn-ea"/>
+            </a:endParaRPr>
+          </a:p>
+          <a:p>
+            <a:pPr>
+              <a:lnSpc>
+                <a:spcPct val="150000"/>
+              </a:lnSpc>
+            </a:pPr>
+            <a:r>
+              <a:rPr kumimoji="1" lang="zh-CN" altLang="en-US" sz="1800" dirty="0" smtClean="0">
+                <a:latin typeface="+mn-ea"/>
+                <a:cs typeface="+mn-ea"/>
+              </a:rPr>
+              <a:t>在回调获取到对方的个数后等待用户按键操作并判断结果。</a:t>
+            </a:r>
+            <a:endParaRPr kumimoji="1" lang="zh-CN" altLang="en-US" sz="1800" dirty="0" smtClean="0">
+              <a:latin typeface="+mn-ea"/>
+              <a:cs typeface="+mn-ea"/>
+            </a:endParaRPr>
+          </a:p>
+          <a:p>
+            <a:pPr>
+              <a:lnSpc>
+                <a:spcPct val="150000"/>
+              </a:lnSpc>
+            </a:pPr>
             <a:endParaRPr kumimoji="1" lang="en-US" altLang="zh-CN" sz="1800" dirty="0" smtClean="0">
               <a:latin typeface="+mn-ea"/>
               <a:cs typeface="+mn-ea"/>
@@ -19111,11 +19106,11 @@
   <p:clrMapOvr>
     <a:masterClrMapping/>
   </p:clrMapOvr>
-  <mc:AlternateContent xmlns:mc="http://schemas.openxmlformats.org/markup-compatibility/2006" xmlns:p14="http://schemas.microsoft.com/office/powerpoint/2010/main">
-    <mc:Choice Requires="p14">
+  <mc:AlternateContent xmlns:mc="http://schemas.openxmlformats.org/markup-compatibility/2006">
+    <mc:Choice xmlns:p14="http://schemas.microsoft.com/office/powerpoint/2010/main" Requires="p14">
       <p:transition p14:dur="10"/>
     </mc:Choice>
-    <mc:Fallback xmlns="">
+    <mc:Fallback>
       <p:transition/>
     </mc:Fallback>
   </mc:AlternateContent>
@@ -19217,6 +19212,13 @@
                   </a:rPr>
                   <a:t>目录</a:t>
                 </a:r>
+                <a:endParaRPr lang="zh-CN" altLang="en-US" sz="3600" b="1" spc="400" dirty="0">
+                  <a:solidFill>
+                    <a:srgbClr val="445469"/>
+                  </a:solidFill>
+                  <a:latin typeface="微软雅黑" panose="020B0503020204020204" pitchFamily="34" charset="-122"/>
+                  <a:ea typeface="微软雅黑" panose="020B0503020204020204" pitchFamily="34" charset="-122"/>
+                </a:endParaRPr>
               </a:p>
             </p:txBody>
           </p:sp>
@@ -19294,6 +19296,13 @@
                 </a:rPr>
                 <a:t>Contents</a:t>
               </a:r>
+              <a:endParaRPr lang="en-US" altLang="zh-CN" spc="400" dirty="0">
+                <a:solidFill>
+                  <a:srgbClr val="445469"/>
+                </a:solidFill>
+                <a:latin typeface="微软雅黑" panose="020B0503020204020204" pitchFamily="34" charset="-122"/>
+                <a:ea typeface="微软雅黑" panose="020B0503020204020204" pitchFamily="34" charset="-122"/>
+              </a:endParaRPr>
             </a:p>
           </p:txBody>
         </p:sp>
@@ -19331,6 +19340,14 @@
               </a:rPr>
               <a:t>Success Words</a:t>
             </a:r>
+            <a:endParaRPr lang="id-ID" sz="2400" b="1" dirty="0">
+              <a:solidFill>
+                <a:schemeClr val="bg1">
+                  <a:lumMod val="95000"/>
+                </a:schemeClr>
+              </a:solidFill>
+              <a:latin typeface="Raleway" panose="020B0003030101060003" pitchFamily="34" charset="0"/>
+            </a:endParaRPr>
           </a:p>
         </p:txBody>
       </p:sp>
@@ -19351,7 +19368,6 @@
           <a:p>
             <a:fld id="{877C4908-FE0A-43F2-B8DA-9F7993525651}" type="slidenum">
               <a:rPr lang="zh-CN" altLang="en-US" smtClean="0"/>
-              <a:t>5</a:t>
             </a:fld>
             <a:endParaRPr lang="zh-CN" altLang="en-US"/>
           </a:p>
@@ -20177,7 +20193,6 @@
           <a:p>
             <a:fld id="{877C4908-FE0A-43F2-B8DA-9F7993525651}" type="slidenum">
               <a:rPr lang="zh-CN" altLang="en-US" smtClean="0"/>
-              <a:t>6</a:t>
             </a:fld>
             <a:endParaRPr lang="zh-CN" altLang="en-US" dirty="0"/>
           </a:p>
@@ -20691,7 +20706,7 @@
           <p:nvPr/>
         </p:nvPicPr>
         <p:blipFill>
-          <a:blip r:embed="rId3"/>
+          <a:blip r:embed="rId1"/>
           <a:stretch>
             <a:fillRect/>
           </a:stretch>
@@ -20711,11 +20726,11 @@
   <p:clrMapOvr>
     <a:masterClrMapping/>
   </p:clrMapOvr>
-  <mc:AlternateContent xmlns:mc="http://schemas.openxmlformats.org/markup-compatibility/2006" xmlns:p14="http://schemas.microsoft.com/office/powerpoint/2010/main">
-    <mc:Choice Requires="p14">
+  <mc:AlternateContent xmlns:mc="http://schemas.openxmlformats.org/markup-compatibility/2006">
+    <mc:Choice xmlns:p14="http://schemas.microsoft.com/office/powerpoint/2010/main" Requires="p14">
       <p:transition p14:dur="10"/>
     </mc:Choice>
-    <mc:Fallback xmlns="">
+    <mc:Fallback>
       <p:transition/>
     </mc:Fallback>
   </mc:AlternateContent>
@@ -20763,7 +20778,6 @@
           <a:p>
             <a:fld id="{877C4908-FE0A-43F2-B8DA-9F7993525651}" type="slidenum">
               <a:rPr lang="zh-CN" altLang="en-US" smtClean="0"/>
-              <a:t>7</a:t>
             </a:fld>
             <a:endParaRPr lang="zh-CN" altLang="en-US" dirty="0"/>
           </a:p>
@@ -21168,21 +21182,40 @@
           </a:p>
         </p:txBody>
       </p:sp>
+      <p:pic>
+        <p:nvPicPr>
+          <p:cNvPr id="2" name="图片 1"/>
+          <p:cNvPicPr>
+            <a:picLocks noChangeAspect="1"/>
+          </p:cNvPicPr>
+          <p:nvPr/>
+        </p:nvPicPr>
+        <p:blipFill>
+          <a:blip r:embed="rId1"/>
+          <a:stretch>
+            <a:fillRect/>
+          </a:stretch>
+        </p:blipFill>
+        <p:spPr>
+          <a:xfrm>
+            <a:off x="897890" y="2192020"/>
+            <a:ext cx="3308350" cy="1174750"/>
+          </a:xfrm>
+          <a:prstGeom prst="rect">
+            <a:avLst/>
+          </a:prstGeom>
+        </p:spPr>
+      </p:pic>
     </p:spTree>
-    <p:extLst>
-      <p:ext uri="{BB962C8B-B14F-4D97-AF65-F5344CB8AC3E}">
-        <p14:creationId xmlns:p14="http://schemas.microsoft.com/office/powerpoint/2010/main" val="407108161"/>
-      </p:ext>
-    </p:extLst>
   </p:cSld>
   <p:clrMapOvr>
     <a:masterClrMapping/>
   </p:clrMapOvr>
-  <mc:AlternateContent xmlns:mc="http://schemas.openxmlformats.org/markup-compatibility/2006" xmlns:p14="http://schemas.microsoft.com/office/powerpoint/2010/main">
-    <mc:Choice Requires="p14">
+  <mc:AlternateContent xmlns:mc="http://schemas.openxmlformats.org/markup-compatibility/2006">
+    <mc:Choice xmlns:p14="http://schemas.microsoft.com/office/powerpoint/2010/main" Requires="p14">
       <p:transition p14:dur="10"/>
     </mc:Choice>
-    <mc:Fallback xmlns="">
+    <mc:Fallback>
       <p:transition/>
     </mc:Fallback>
   </mc:AlternateContent>
@@ -21230,7 +21263,6 @@
           <a:p>
             <a:fld id="{877C4908-FE0A-43F2-B8DA-9F7993525651}" type="slidenum">
               <a:rPr lang="zh-CN" altLang="en-US" smtClean="0"/>
-              <a:t>8</a:t>
             </a:fld>
             <a:endParaRPr lang="zh-CN" altLang="en-US" dirty="0"/>
           </a:p>
@@ -21755,7 +21787,7 @@
           <p:nvPr/>
         </p:nvPicPr>
         <p:blipFill>
-          <a:blip r:embed="rId3"/>
+          <a:blip r:embed="rId1"/>
           <a:stretch>
             <a:fillRect/>
           </a:stretch>
@@ -21771,20 +21803,15 @@
         </p:spPr>
       </p:pic>
     </p:spTree>
-    <p:extLst>
-      <p:ext uri="{BB962C8B-B14F-4D97-AF65-F5344CB8AC3E}">
-        <p14:creationId xmlns:p14="http://schemas.microsoft.com/office/powerpoint/2010/main" val="1911121989"/>
-      </p:ext>
-    </p:extLst>
   </p:cSld>
   <p:clrMapOvr>
     <a:masterClrMapping/>
   </p:clrMapOvr>
-  <mc:AlternateContent xmlns:mc="http://schemas.openxmlformats.org/markup-compatibility/2006" xmlns:p14="http://schemas.microsoft.com/office/powerpoint/2010/main">
-    <mc:Choice Requires="p14">
+  <mc:AlternateContent xmlns:mc="http://schemas.openxmlformats.org/markup-compatibility/2006">
+    <mc:Choice xmlns:p14="http://schemas.microsoft.com/office/powerpoint/2010/main" Requires="p14">
       <p:transition p14:dur="10"/>
     </mc:Choice>
-    <mc:Fallback xmlns="">
+    <mc:Fallback>
       <p:transition/>
     </mc:Fallback>
   </mc:AlternateContent>
@@ -21832,7 +21859,6 @@
           <a:p>
             <a:fld id="{877C4908-FE0A-43F2-B8DA-9F7993525651}" type="slidenum">
               <a:rPr lang="zh-CN" altLang="en-US" smtClean="0"/>
-              <a:t>9</a:t>
             </a:fld>
             <a:endParaRPr lang="zh-CN" altLang="en-US" dirty="0"/>
           </a:p>
@@ -22300,6 +22326,11 @@
               </a:rPr>
               <a:t>TOPIC2</a:t>
             </a:r>
+            <a:endParaRPr kumimoji="1" lang="en-US" altLang="zh-CN" sz="1800" dirty="0" smtClean="0">
+              <a:latin typeface="+mn-ea"/>
+              <a:cs typeface="+mn-ea"/>
+              <a:sym typeface="+mn-ea"/>
+            </a:endParaRPr>
           </a:p>
         </p:txBody>
       </p:sp>
@@ -22312,7 +22343,7 @@
           <p:nvPr/>
         </p:nvPicPr>
         <p:blipFill>
-          <a:blip r:embed="rId3"/>
+          <a:blip r:embed="rId1"/>
           <a:stretch>
             <a:fillRect/>
           </a:stretch>
@@ -22328,20 +22359,15 @@
         </p:spPr>
       </p:pic>
     </p:spTree>
-    <p:extLst>
-      <p:ext uri="{BB962C8B-B14F-4D97-AF65-F5344CB8AC3E}">
-        <p14:creationId xmlns:p14="http://schemas.microsoft.com/office/powerpoint/2010/main" val="863508606"/>
-      </p:ext>
-    </p:extLst>
   </p:cSld>
   <p:clrMapOvr>
     <a:masterClrMapping/>
   </p:clrMapOvr>
-  <mc:AlternateContent xmlns:mc="http://schemas.openxmlformats.org/markup-compatibility/2006" xmlns:p14="http://schemas.microsoft.com/office/powerpoint/2010/main">
-    <mc:Choice Requires="p14">
+  <mc:AlternateContent xmlns:mc="http://schemas.openxmlformats.org/markup-compatibility/2006">
+    <mc:Choice xmlns:p14="http://schemas.microsoft.com/office/powerpoint/2010/main" Requires="p14">
       <p:transition p14:dur="10"/>
     </mc:Choice>
-    <mc:Fallback xmlns="">
+    <mc:Fallback>
       <p:transition/>
     </mc:Fallback>
   </mc:AlternateContent>
@@ -22356,7 +22382,7 @@
 </file>
 
 <file path=ppt/tags/tag1.xml><?xml version="1.0" encoding="utf-8"?>
-<p:tagLst xmlns:a="http://schemas.openxmlformats.org/drawingml/2006/main" xmlns:r="http://schemas.openxmlformats.org/officeDocument/2006/relationships" xmlns:p="http://schemas.openxmlformats.org/presentationml/2006/main">
+<p:tagLst xmlns:p="http://schemas.openxmlformats.org/presentationml/2006/main">
   <p:tag name="MH" val="20150823091036"/>
   <p:tag name="MH_LIBRARY" val="GRAPHIC"/>
   <p:tag name="MH_ORDER" val="文本框 10"/>
@@ -22364,7 +22390,7 @@
 </file>
 
 <file path=ppt/tags/tag2.xml><?xml version="1.0" encoding="utf-8"?>
-<p:tagLst xmlns:a="http://schemas.openxmlformats.org/drawingml/2006/main" xmlns:r="http://schemas.openxmlformats.org/officeDocument/2006/relationships" xmlns:p="http://schemas.openxmlformats.org/presentationml/2006/main">
+<p:tagLst xmlns:p="http://schemas.openxmlformats.org/presentationml/2006/main">
   <p:tag name="MH" val="20150823091036"/>
   <p:tag name="MH_LIBRARY" val="GRAPHIC"/>
   <p:tag name="MH_ORDER" val="Straight Connector 12"/>
@@ -22372,7 +22398,7 @@
 </file>
 
 <file path=ppt/tags/tag3.xml><?xml version="1.0" encoding="utf-8"?>
-<p:tagLst xmlns:a="http://schemas.openxmlformats.org/drawingml/2006/main" xmlns:r="http://schemas.openxmlformats.org/officeDocument/2006/relationships" xmlns:p="http://schemas.openxmlformats.org/presentationml/2006/main">
+<p:tagLst xmlns:p="http://schemas.openxmlformats.org/presentationml/2006/main">
   <p:tag name="MH" val="20150823091036"/>
   <p:tag name="MH_LIBRARY" val="GRAPHIC"/>
   <p:tag name="MH_ORDER" val="文本框 10"/>
@@ -22380,7 +22406,7 @@
 </file>
 
 <file path=ppt/tags/tag4.xml><?xml version="1.0" encoding="utf-8"?>
-<p:tagLst xmlns:a="http://schemas.openxmlformats.org/drawingml/2006/main" xmlns:r="http://schemas.openxmlformats.org/officeDocument/2006/relationships" xmlns:p="http://schemas.openxmlformats.org/presentationml/2006/main">
+<p:tagLst xmlns:p="http://schemas.openxmlformats.org/presentationml/2006/main">
   <p:tag name="MH" val="20150823091036"/>
   <p:tag name="MH_LIBRARY" val="GRAPHIC"/>
   <p:tag name="MH_ORDER" val="Straight Connector 12"/>
@@ -22388,7 +22414,7 @@
 </file>
 
 <file path=ppt/tags/tag5.xml><?xml version="1.0" encoding="utf-8"?>
-<p:tagLst xmlns:a="http://schemas.openxmlformats.org/drawingml/2006/main" xmlns:r="http://schemas.openxmlformats.org/officeDocument/2006/relationships" xmlns:p="http://schemas.openxmlformats.org/presentationml/2006/main">
+<p:tagLst xmlns:p="http://schemas.openxmlformats.org/presentationml/2006/main">
   <p:tag name="MH" val="20150823091036"/>
   <p:tag name="MH_LIBRARY" val="GRAPHIC"/>
   <p:tag name="MH_ORDER" val="文本框 10"/>
@@ -22396,7 +22422,7 @@
 </file>
 
 <file path=ppt/tags/tag6.xml><?xml version="1.0" encoding="utf-8"?>
-<p:tagLst xmlns:a="http://schemas.openxmlformats.org/drawingml/2006/main" xmlns:r="http://schemas.openxmlformats.org/officeDocument/2006/relationships" xmlns:p="http://schemas.openxmlformats.org/presentationml/2006/main">
+<p:tagLst xmlns:p="http://schemas.openxmlformats.org/presentationml/2006/main">
   <p:tag name="MH" val="20150823091036"/>
   <p:tag name="MH_LIBRARY" val="GRAPHIC"/>
   <p:tag name="MH_ORDER" val="Straight Connector 12"/>
@@ -22683,8 +22709,6 @@
       </a:bgFillStyleLst>
     </a:fmtScheme>
   </a:themeElements>
-  <a:objectDefaults/>
-  <a:extraClrSchemeLst/>
   <a:extLst>
     <a:ext uri="{05A4C25C-085E-4340-85A3-A5531E510DB2}">
       <thm15:themeFamily xmlns:thm15="http://schemas.microsoft.com/office/thememl/2012/main" name="Office Theme" id="{62F939B6-93AF-4DB8-9C6B-D6C7DFDC589F}" vid="{4A3C46E8-61CC-4603-A589-7422A47A8E4A}"/>
@@ -22973,8 +22997,6 @@
       </a:bgFillStyleLst>
     </a:fmtScheme>
   </a:themeElements>
-  <a:objectDefaults/>
-  <a:extraClrSchemeLst/>
   <a:extLst>
     <a:ext uri="{05A4C25C-085E-4340-85A3-A5531E510DB2}">
       <thm15:themeFamily xmlns:thm15="http://schemas.microsoft.com/office/thememl/2012/main" name="Office Theme" id="{62F939B6-93AF-4DB8-9C6B-D6C7DFDC589F}" vid="{4A3C46E8-61CC-4603-A589-7422A47A8E4A}"/>
@@ -23234,8 +23256,6 @@
       </a:bgFillStyleLst>
     </a:fmtScheme>
   </a:themeElements>
-  <a:objectDefaults/>
-  <a:extraClrSchemeLst/>
   <a:extLst>
     <a:ext uri="{05A4C25C-085E-4340-85A3-A5531E510DB2}">
       <thm15:themeFamily xmlns:thm15="http://schemas.microsoft.com/office/thememl/2012/main" name="Office Theme" id="{62F939B6-93AF-4DB8-9C6B-D6C7DFDC589F}" vid="{4A3C46E8-61CC-4603-A589-7422A47A8E4A}"/>
